--- a/misc/FOCUS.pptx
+++ b/misc/FOCUS.pptx
@@ -3638,29 +3638,18 @@
             </a:r>
             <a:r>
               <a:rPr lang="ja-JP" altLang="en-US" sz="2400" dirty="0" smtClean="0"/>
-              <a:t>から入手</a:t>
-            </a:r>
-            <a:endParaRPr lang="en-US" altLang="ja-JP" sz="2400" dirty="0" smtClean="0"/>
-          </a:p>
-          <a:p>
+              <a:t>から</a:t>
+            </a:r>
+            <a:r>
+              <a:rPr lang="ja-JP" altLang="en-US" sz="2400" dirty="0" smtClean="0"/>
+              <a:t>入手</a:t>
+            </a:r>
             <a:endParaRPr lang="en-US" altLang="ja-JP" sz="2400" dirty="0"/>
           </a:p>
           <a:p>
-            <a:endParaRPr lang="en-US" altLang="ja-JP" sz="2400" dirty="0" smtClean="0"/>
-          </a:p>
-          <a:p>
-            <a:endParaRPr lang="en-US" altLang="ja-JP" sz="2400" dirty="0"/>
-          </a:p>
-          <a:p>
-            <a:endParaRPr lang="en-US" altLang="ja-JP" sz="2400" dirty="0" smtClean="0"/>
-          </a:p>
-          <a:p>
-            <a:endParaRPr lang="en-US" altLang="ja-JP" sz="2400" dirty="0"/>
-          </a:p>
-          <a:p>
-            <a:endParaRPr lang="en-US" altLang="ja-JP" sz="2400" dirty="0" smtClean="0"/>
-          </a:p>
-          <a:p>
+            <a:pPr marL="114300" indent="0">
+              <a:buNone/>
+            </a:pPr>
             <a:endParaRPr lang="en-US" altLang="ja-JP" sz="2400" dirty="0"/>
           </a:p>
           <a:p>
@@ -3682,47 +3671,6 @@
           </a:p>
         </p:txBody>
       </p:sp>
-      <p:pic>
-        <p:nvPicPr>
-          <p:cNvPr id="4" name="Picture 3" descr="C:\Users\shimosaka\Desktop\docscp2.png"/>
-          <p:cNvPicPr>
-            <a:picLocks noChangeAspect="1" noChangeArrowheads="1"/>
-          </p:cNvPicPr>
-          <p:nvPr/>
-        </p:nvPicPr>
-        <p:blipFill>
-          <a:blip r:embed="rId3">
-            <a:extLst>
-              <a:ext uri="{28A0092B-C50C-407E-A947-70E740481C1C}">
-                <a14:useLocalDpi xmlns:a14="http://schemas.microsoft.com/office/drawing/2010/main" val="0"/>
-              </a:ext>
-            </a:extLst>
-          </a:blip>
-          <a:srcRect/>
-          <a:stretch>
-            <a:fillRect/>
-          </a:stretch>
-        </p:blipFill>
-        <p:spPr bwMode="auto">
-          <a:xfrm>
-            <a:off x="1043401" y="3285648"/>
-            <a:ext cx="6597766" cy="2711533"/>
-          </a:xfrm>
-          <a:prstGeom prst="rect">
-            <a:avLst/>
-          </a:prstGeom>
-          <a:noFill/>
-          <a:extLst>
-            <a:ext uri="{909E8E84-426E-40dd-AFC4-6F175D3DCCD1}">
-              <a14:hiddenFill xmlns:a14="http://schemas.microsoft.com/office/drawing/2010/main">
-                <a:solidFill>
-                  <a:srgbClr val="FFFFFF"/>
-                </a:solidFill>
-              </a14:hiddenFill>
-            </a:ext>
-          </a:extLst>
-        </p:spPr>
-      </p:pic>
     </p:spTree>
     <p:extLst>
       <p:ext uri="{BB962C8B-B14F-4D97-AF65-F5344CB8AC3E}">

--- a/misc/FOCUS.pptx
+++ b/misc/FOCUS.pptx
@@ -304,7 +304,7 @@
           <a:p>
             <a:fld id="{66F2DB81-FDD4-6C4C-99FD-378D10BF8DE1}" type="datetimeFigureOut">
               <a:rPr kumimoji="1" lang="ja-JP" altLang="en-US" smtClean="0"/>
-              <a:t>16/01/05</a:t>
+              <a:t>16/01/07</a:t>
             </a:fld>
             <a:endParaRPr kumimoji="1" lang="ja-JP" altLang="en-US"/>
           </a:p>
@@ -501,7 +501,7 @@
           <a:p>
             <a:fld id="{66F2DB81-FDD4-6C4C-99FD-378D10BF8DE1}" type="datetimeFigureOut">
               <a:rPr kumimoji="1" lang="ja-JP" altLang="en-US" smtClean="0"/>
-              <a:t>16/01/05</a:t>
+              <a:t>16/01/07</a:t>
             </a:fld>
             <a:endParaRPr kumimoji="1" lang="ja-JP" altLang="en-US"/>
           </a:p>
@@ -708,7 +708,7 @@
           <a:p>
             <a:fld id="{66F2DB81-FDD4-6C4C-99FD-378D10BF8DE1}" type="datetimeFigureOut">
               <a:rPr kumimoji="1" lang="ja-JP" altLang="en-US" smtClean="0"/>
-              <a:t>16/01/05</a:t>
+              <a:t>16/01/07</a:t>
             </a:fld>
             <a:endParaRPr kumimoji="1" lang="ja-JP" altLang="en-US"/>
           </a:p>
@@ -905,7 +905,7 @@
           <a:p>
             <a:fld id="{66F2DB81-FDD4-6C4C-99FD-378D10BF8DE1}" type="datetimeFigureOut">
               <a:rPr kumimoji="1" lang="ja-JP" altLang="en-US" smtClean="0"/>
-              <a:t>16/01/05</a:t>
+              <a:t>16/01/07</a:t>
             </a:fld>
             <a:endParaRPr kumimoji="1" lang="ja-JP" altLang="en-US"/>
           </a:p>
@@ -1146,7 +1146,7 @@
           <a:p>
             <a:fld id="{66F2DB81-FDD4-6C4C-99FD-378D10BF8DE1}" type="datetimeFigureOut">
               <a:rPr kumimoji="1" lang="ja-JP" altLang="en-US" smtClean="0"/>
-              <a:t>16/01/05</a:t>
+              <a:t>16/01/07</a:t>
             </a:fld>
             <a:endParaRPr kumimoji="1" lang="ja-JP" altLang="en-US"/>
           </a:p>
@@ -1493,7 +1493,7 @@
           <a:p>
             <a:fld id="{66F2DB81-FDD4-6C4C-99FD-378D10BF8DE1}" type="datetimeFigureOut">
               <a:rPr kumimoji="1" lang="ja-JP" altLang="en-US" smtClean="0"/>
-              <a:t>16/01/05</a:t>
+              <a:t>16/01/07</a:t>
             </a:fld>
             <a:endParaRPr kumimoji="1" lang="ja-JP" altLang="en-US"/>
           </a:p>
@@ -1986,7 +1986,7 @@
           <a:p>
             <a:fld id="{66F2DB81-FDD4-6C4C-99FD-378D10BF8DE1}" type="datetimeFigureOut">
               <a:rPr kumimoji="1" lang="ja-JP" altLang="en-US" smtClean="0"/>
-              <a:t>16/01/05</a:t>
+              <a:t>16/01/07</a:t>
             </a:fld>
             <a:endParaRPr kumimoji="1" lang="ja-JP" altLang="en-US"/>
           </a:p>
@@ -2099,7 +2099,7 @@
           <a:p>
             <a:fld id="{66F2DB81-FDD4-6C4C-99FD-378D10BF8DE1}" type="datetimeFigureOut">
               <a:rPr kumimoji="1" lang="ja-JP" altLang="en-US" smtClean="0"/>
-              <a:t>16/01/05</a:t>
+              <a:t>16/01/07</a:t>
             </a:fld>
             <a:endParaRPr kumimoji="1" lang="ja-JP" altLang="en-US"/>
           </a:p>
@@ -2189,7 +2189,7 @@
           <a:p>
             <a:fld id="{66F2DB81-FDD4-6C4C-99FD-378D10BF8DE1}" type="datetimeFigureOut">
               <a:rPr kumimoji="1" lang="ja-JP" altLang="en-US" smtClean="0"/>
-              <a:t>16/01/05</a:t>
+              <a:t>16/01/07</a:t>
             </a:fld>
             <a:endParaRPr kumimoji="1" lang="ja-JP" altLang="en-US"/>
           </a:p>
@@ -2378,7 +2378,7 @@
           <a:p>
             <a:fld id="{66F2DB81-FDD4-6C4C-99FD-378D10BF8DE1}" type="datetimeFigureOut">
               <a:rPr kumimoji="1" lang="ja-JP" altLang="en-US" smtClean="0"/>
-              <a:t>16/01/05</a:t>
+              <a:t>16/01/07</a:t>
             </a:fld>
             <a:endParaRPr kumimoji="1" lang="ja-JP" altLang="en-US"/>
           </a:p>
@@ -2728,7 +2728,7 @@
           <a:p>
             <a:fld id="{66F2DB81-FDD4-6C4C-99FD-378D10BF8DE1}" type="datetimeFigureOut">
               <a:rPr kumimoji="1" lang="ja-JP" altLang="en-US" smtClean="0"/>
-              <a:t>16/01/05</a:t>
+              <a:t>16/01/07</a:t>
             </a:fld>
             <a:endParaRPr kumimoji="1" lang="ja-JP" altLang="en-US"/>
           </a:p>
@@ -3139,7 +3139,7 @@
           <a:p>
             <a:fld id="{66F2DB81-FDD4-6C4C-99FD-378D10BF8DE1}" type="datetimeFigureOut">
               <a:rPr kumimoji="1" lang="ja-JP" altLang="en-US" smtClean="0"/>
-              <a:t>16/01/05</a:t>
+              <a:t>16/01/07</a:t>
             </a:fld>
             <a:endParaRPr kumimoji="1" lang="ja-JP" altLang="en-US"/>
           </a:p>
@@ -3638,11 +3638,7 @@
             </a:r>
             <a:r>
               <a:rPr lang="ja-JP" altLang="en-US" sz="2400" dirty="0" smtClean="0"/>
-              <a:t>から</a:t>
-            </a:r>
-            <a:r>
-              <a:rPr lang="ja-JP" altLang="en-US" sz="2400" dirty="0" smtClean="0"/>
-              <a:t>入手</a:t>
+              <a:t>から入手</a:t>
             </a:r>
             <a:endParaRPr lang="en-US" altLang="ja-JP" sz="2400" dirty="0"/>
           </a:p>
@@ -3825,52 +3821,72 @@
             <a:pPr lvl="1"/>
             <a:r>
               <a:rPr lang="ja-JP" altLang="en-US" sz="2400" dirty="0" smtClean="0"/>
-              <a:t>下記のコマンドにより、</a:t>
-            </a:r>
-            <a:r>
-              <a:rPr lang="en-US" altLang="ja-JP" sz="2400" dirty="0" smtClean="0"/>
-              <a:t>XMP</a:t>
+              <a:t>下記のコマンドにより</a:t>
             </a:r>
             <a:r>
               <a:rPr lang="ja-JP" altLang="en-US" sz="2400" dirty="0" smtClean="0"/>
-              <a:t>への</a:t>
-            </a:r>
-            <a:r>
-              <a:rPr lang="en-US" altLang="ja-JP" sz="2400" dirty="0" smtClean="0"/>
+              <a:t>、</a:t>
+            </a:r>
+            <a:r>
+              <a:rPr lang="ja-JP" altLang="en-US" sz="2400" dirty="0" smtClean="0"/>
+              <a:t>環境</a:t>
+            </a:r>
+            <a:r>
+              <a:rPr lang="ja-JP" altLang="en-US" sz="2400" dirty="0" smtClean="0"/>
+              <a:t>設定を行う</a:t>
+            </a:r>
+            <a:endParaRPr lang="en-US" altLang="ja-JP" sz="2400" dirty="0" smtClean="0"/>
+          </a:p>
+          <a:p>
+            <a:pPr lvl="2"/>
+            <a:r>
+              <a:rPr lang="en-US" altLang="ja-JP" sz="2200" dirty="0"/>
+              <a:t>$ export PATH=/home1/</a:t>
+            </a:r>
+            <a:r>
+              <a:rPr lang="en-US" altLang="ja-JP" sz="2200" dirty="0" err="1"/>
+              <a:t>gleo</a:t>
+            </a:r>
+            <a:r>
+              <a:rPr lang="en-US" altLang="ja-JP" sz="2200" dirty="0"/>
+              <a:t>/</a:t>
+            </a:r>
+            <a:r>
+              <a:rPr lang="en-US" altLang="ja-JP" sz="2200" dirty="0" smtClean="0"/>
+              <a:t>share</a:t>
+            </a:r>
+            <a:r>
+              <a:rPr lang="en-US" altLang="ja-JP" sz="2200" dirty="0"/>
+              <a:t>/</a:t>
+            </a:r>
+            <a:r>
+              <a:rPr lang="en-US" altLang="ja-JP" sz="2200" dirty="0" err="1"/>
+              <a:t>xmp</a:t>
+            </a:r>
+            <a:r>
+              <a:rPr lang="en-US" altLang="ja-JP" sz="2200" dirty="0"/>
+              <a:t>/bin:$</a:t>
+            </a:r>
+            <a:r>
+              <a:rPr lang="en-US" altLang="ja-JP" sz="2200" dirty="0" smtClean="0"/>
               <a:t>PATH</a:t>
             </a:r>
-            <a:r>
-              <a:rPr lang="ja-JP" altLang="en-US" sz="2400" dirty="0" smtClean="0"/>
-              <a:t>を設定する</a:t>
-            </a:r>
-            <a:endParaRPr lang="en-US" altLang="ja-JP" sz="2400" dirty="0" smtClean="0"/>
-          </a:p>
-          <a:p>
-            <a:pPr lvl="1"/>
-            <a:r>
-              <a:rPr lang="en-US" altLang="ja-JP" sz="2400" dirty="0"/>
-              <a:t>$ export PATH=/home1/</a:t>
-            </a:r>
-            <a:r>
-              <a:rPr lang="en-US" altLang="ja-JP" sz="2400" dirty="0" err="1"/>
-              <a:t>gleo</a:t>
-            </a:r>
-            <a:r>
-              <a:rPr lang="en-US" altLang="ja-JP" sz="2400" dirty="0"/>
-              <a:t>/share/</a:t>
-            </a:r>
-            <a:r>
-              <a:rPr lang="en-US" altLang="ja-JP" sz="2400" dirty="0" err="1"/>
-              <a:t>xmp</a:t>
-            </a:r>
-            <a:r>
-              <a:rPr lang="en-US" altLang="ja-JP" sz="2400" dirty="0"/>
-              <a:t>/bin:$</a:t>
-            </a:r>
-            <a:r>
-              <a:rPr lang="en-US" altLang="ja-JP" sz="2400" dirty="0" smtClean="0"/>
-              <a:t>PATH</a:t>
-            </a:r>
+          </a:p>
+          <a:p>
+            <a:pPr lvl="2"/>
+            <a:r>
+              <a:rPr lang="en-US" altLang="ja-JP" sz="2200" dirty="0"/>
+              <a:t>$ module load PrgEnv-</a:t>
+            </a:r>
+            <a:r>
+              <a:rPr lang="en-US" altLang="ja-JP" sz="2200" dirty="0" smtClean="0"/>
+              <a:t>gnu482 gnu</a:t>
+            </a:r>
+            <a:r>
+              <a:rPr lang="en-US" altLang="ja-JP" sz="2200" dirty="0"/>
+              <a:t>/openmpi165</a:t>
+            </a:r>
+            <a:endParaRPr lang="en-US" altLang="ja-JP" sz="2200" dirty="0" smtClean="0"/>
           </a:p>
           <a:p>
             <a:pPr lvl="1"/>
